--- a/ServiceFabric-development.pptx
+++ b/ServiceFabric-development.pptx
@@ -263,7 +263,7 @@
           <a:p>
             <a:fld id="{527F5DC3-B8AA-4695-B0D7-8900E5EC49B3}" type="datetimeFigureOut">
               <a:rPr lang="en-US" smtClean="0"/>
-              <a:t>11/16/2015</a:t>
+              <a:t>11/17/2015</a:t>
             </a:fld>
             <a:endParaRPr lang="en-US"/>
           </a:p>
@@ -662,7 +662,7 @@
           <a:p>
             <a:fld id="{611F5504-7521-4F01-85BE-81607B666834}" type="datetimeFigureOut">
               <a:rPr lang="en-GB" smtClean="0"/>
-              <a:t>16/11/2015</a:t>
+              <a:t>17/11/2015</a:t>
             </a:fld>
             <a:endParaRPr lang="en-GB"/>
           </a:p>
@@ -832,7 +832,7 @@
           <a:p>
             <a:fld id="{611F5504-7521-4F01-85BE-81607B666834}" type="datetimeFigureOut">
               <a:rPr lang="en-GB" smtClean="0"/>
-              <a:t>16/11/2015</a:t>
+              <a:t>17/11/2015</a:t>
             </a:fld>
             <a:endParaRPr lang="en-GB"/>
           </a:p>
@@ -1012,7 +1012,7 @@
           <a:p>
             <a:fld id="{611F5504-7521-4F01-85BE-81607B666834}" type="datetimeFigureOut">
               <a:rPr lang="en-GB" smtClean="0"/>
-              <a:t>16/11/2015</a:t>
+              <a:t>17/11/2015</a:t>
             </a:fld>
             <a:endParaRPr lang="en-GB"/>
           </a:p>
@@ -1182,7 +1182,7 @@
           <a:p>
             <a:fld id="{611F5504-7521-4F01-85BE-81607B666834}" type="datetimeFigureOut">
               <a:rPr lang="en-GB" smtClean="0"/>
-              <a:t>16/11/2015</a:t>
+              <a:t>17/11/2015</a:t>
             </a:fld>
             <a:endParaRPr lang="en-GB"/>
           </a:p>
@@ -1428,7 +1428,7 @@
           <a:p>
             <a:fld id="{611F5504-7521-4F01-85BE-81607B666834}" type="datetimeFigureOut">
               <a:rPr lang="en-GB" smtClean="0"/>
-              <a:t>16/11/2015</a:t>
+              <a:t>17/11/2015</a:t>
             </a:fld>
             <a:endParaRPr lang="en-GB"/>
           </a:p>
@@ -1660,7 +1660,7 @@
           <a:p>
             <a:fld id="{611F5504-7521-4F01-85BE-81607B666834}" type="datetimeFigureOut">
               <a:rPr lang="en-GB" smtClean="0"/>
-              <a:t>16/11/2015</a:t>
+              <a:t>17/11/2015</a:t>
             </a:fld>
             <a:endParaRPr lang="en-GB"/>
           </a:p>
@@ -2027,7 +2027,7 @@
           <a:p>
             <a:fld id="{611F5504-7521-4F01-85BE-81607B666834}" type="datetimeFigureOut">
               <a:rPr lang="en-GB" smtClean="0"/>
-              <a:t>16/11/2015</a:t>
+              <a:t>17/11/2015</a:t>
             </a:fld>
             <a:endParaRPr lang="en-GB"/>
           </a:p>
@@ -2145,7 +2145,7 @@
           <a:p>
             <a:fld id="{611F5504-7521-4F01-85BE-81607B666834}" type="datetimeFigureOut">
               <a:rPr lang="en-GB" smtClean="0"/>
-              <a:t>16/11/2015</a:t>
+              <a:t>17/11/2015</a:t>
             </a:fld>
             <a:endParaRPr lang="en-GB"/>
           </a:p>
@@ -2240,7 +2240,7 @@
           <a:p>
             <a:fld id="{611F5504-7521-4F01-85BE-81607B666834}" type="datetimeFigureOut">
               <a:rPr lang="en-GB" smtClean="0"/>
-              <a:t>16/11/2015</a:t>
+              <a:t>17/11/2015</a:t>
             </a:fld>
             <a:endParaRPr lang="en-GB"/>
           </a:p>
@@ -2517,7 +2517,7 @@
           <a:p>
             <a:fld id="{611F5504-7521-4F01-85BE-81607B666834}" type="datetimeFigureOut">
               <a:rPr lang="en-GB" smtClean="0"/>
-              <a:t>16/11/2015</a:t>
+              <a:t>17/11/2015</a:t>
             </a:fld>
             <a:endParaRPr lang="en-GB"/>
           </a:p>
@@ -2770,7 +2770,7 @@
           <a:p>
             <a:fld id="{611F5504-7521-4F01-85BE-81607B666834}" type="datetimeFigureOut">
               <a:rPr lang="en-GB" smtClean="0"/>
-              <a:t>16/11/2015</a:t>
+              <a:t>17/11/2015</a:t>
             </a:fld>
             <a:endParaRPr lang="en-GB"/>
           </a:p>
@@ -2983,7 +2983,7 @@
           <a:p>
             <a:fld id="{611F5504-7521-4F01-85BE-81607B666834}" type="datetimeFigureOut">
               <a:rPr lang="en-GB" smtClean="0"/>
-              <a:t>16/11/2015</a:t>
+              <a:t>17/11/2015</a:t>
             </a:fld>
             <a:endParaRPr lang="en-GB"/>
           </a:p>
@@ -28142,6 +28142,36 @@
               <a:t>Service</a:t>
             </a:r>
             <a:endParaRPr lang="en-US" dirty="0"/>
+          </a:p>
+        </p:txBody>
+      </p:sp>
+      <p:sp>
+        <p:nvSpPr>
+          <p:cNvPr id="63" name="TextBox 62"/>
+          <p:cNvSpPr txBox="1"/>
+          <p:nvPr/>
+        </p:nvSpPr>
+        <p:spPr>
+          <a:xfrm>
+            <a:off x="6926939" y="6067221"/>
+            <a:ext cx="2124299" cy="253916"/>
+          </a:xfrm>
+          <a:prstGeom prst="rect">
+            <a:avLst/>
+          </a:prstGeom>
+          <a:noFill/>
+        </p:spPr>
+        <p:txBody>
+          <a:bodyPr wrap="none" rtlCol="0">
+            <a:spAutoFit/>
+          </a:bodyPr>
+          <a:lstStyle/>
+          <a:p>
+            <a:r>
+              <a:rPr lang="nl-BE" sz="1050" dirty="0" smtClean="0"/>
+              <a:t>*Probing may skew the results a bit</a:t>
+            </a:r>
+            <a:endParaRPr lang="en-US" sz="1050" dirty="0"/>
           </a:p>
         </p:txBody>
       </p:sp>
@@ -29270,6 +29300,51 @@
                       </p:childTnLst>
                     </p:cTn>
                   </p:par>
+                  <p:par>
+                    <p:cTn id="89" fill="hold">
+                      <p:stCondLst>
+                        <p:cond delay="indefinite"/>
+                      </p:stCondLst>
+                      <p:childTnLst>
+                        <p:par>
+                          <p:cTn id="90" fill="hold">
+                            <p:stCondLst>
+                              <p:cond delay="0"/>
+                            </p:stCondLst>
+                            <p:childTnLst>
+                              <p:par>
+                                <p:cTn id="91" presetID="1" presetClass="entr" presetSubtype="0" fill="hold" grpId="0" nodeType="clickEffect">
+                                  <p:stCondLst>
+                                    <p:cond delay="0"/>
+                                  </p:stCondLst>
+                                  <p:childTnLst>
+                                    <p:set>
+                                      <p:cBhvr>
+                                        <p:cTn id="92" dur="1" fill="hold">
+                                          <p:stCondLst>
+                                            <p:cond delay="0"/>
+                                          </p:stCondLst>
+                                        </p:cTn>
+                                        <p:tgtEl>
+                                          <p:spTgt spid="63"/>
+                                        </p:tgtEl>
+                                        <p:attrNameLst>
+                                          <p:attrName>style.visibility</p:attrName>
+                                        </p:attrNameLst>
+                                      </p:cBhvr>
+                                      <p:to>
+                                        <p:strVal val="visible"/>
+                                      </p:to>
+                                    </p:set>
+                                  </p:childTnLst>
+                                </p:cTn>
+                              </p:par>
+                            </p:childTnLst>
+                          </p:cTn>
+                        </p:par>
+                      </p:childTnLst>
+                    </p:cTn>
+                  </p:par>
                 </p:childTnLst>
               </p:cTn>
               <p:prevCondLst>
@@ -29316,6 +29391,7 @@
       <p:bldP spid="145" grpId="0" animBg="1"/>
       <p:bldP spid="146" grpId="0" animBg="1"/>
       <p:bldP spid="147" grpId="0" animBg="1"/>
+      <p:bldP spid="63" grpId="0"/>
     </p:bldLst>
   </p:timing>
 </p:sld>
@@ -29747,17 +29823,7 @@
                 <a:latin typeface="Segoe UI" panose="020B0502040204020203" pitchFamily="34" charset="0"/>
                 <a:cs typeface="Segoe UI" panose="020B0502040204020203" pitchFamily="34" charset="0"/>
               </a:rPr>
-              <a:t>Running Service Fabric Cluster (optional</a:t>
-            </a:r>
-            <a:r>
-              <a:rPr lang="nl-BE" dirty="0" smtClean="0">
-                <a:solidFill>
-                  <a:prstClr val="black"/>
-                </a:solidFill>
-                <a:latin typeface="Segoe UI" panose="020B0502040204020203" pitchFamily="34" charset="0"/>
-                <a:cs typeface="Segoe UI" panose="020B0502040204020203" pitchFamily="34" charset="0"/>
-              </a:rPr>
-              <a:t>)</a:t>
+              <a:t>Running Service Fabric Cluster (optional)</a:t>
             </a:r>
           </a:p>
           <a:p>
@@ -29788,13 +29854,6 @@
               </a:rPr>
               <a:t>https://github.com/yvesgoeleven/CodeDAzure.ServiceFabric</a:t>
             </a:r>
-            <a:endParaRPr lang="en-US" dirty="0">
-              <a:solidFill>
-                <a:prstClr val="black"/>
-              </a:solidFill>
-              <a:latin typeface="Segoe UI" panose="020B0502040204020203" pitchFamily="34" charset="0"/>
-              <a:cs typeface="Segoe UI" panose="020B0502040204020203" pitchFamily="34" charset="0"/>
-            </a:endParaRPr>
           </a:p>
         </p:txBody>
       </p:sp>
